--- a/01-CourseIntroduction/CourseIntroduction.pptx
+++ b/01-CourseIntroduction/CourseIntroduction.pptx
@@ -1015,18 +1015,18 @@
   <pc:docChgLst>
     <pc:chgData name="Janusz Stal" userId="570fe9c4-9123-4bde-9755-2a9767a29a9c" providerId="ADAL" clId="{3297BAA0-1728-4AD1-8DDE-44EA0C2C7360}"/>
     <pc:docChg chg="undo custSel modSld">
-      <pc:chgData name="Janusz Stal" userId="570fe9c4-9123-4bde-9755-2a9767a29a9c" providerId="ADAL" clId="{3297BAA0-1728-4AD1-8DDE-44EA0C2C7360}" dt="2024-10-08T15:09:20.520" v="50"/>
+      <pc:chgData name="Janusz Stal" userId="570fe9c4-9123-4bde-9755-2a9767a29a9c" providerId="ADAL" clId="{3297BAA0-1728-4AD1-8DDE-44EA0C2C7360}" dt="2024-10-08T16:56:17.967" v="66" actId="6549"/>
       <pc:docMkLst>
         <pc:docMk/>
       </pc:docMkLst>
       <pc:sldChg chg="modSp mod">
-        <pc:chgData name="Janusz Stal" userId="570fe9c4-9123-4bde-9755-2a9767a29a9c" providerId="ADAL" clId="{3297BAA0-1728-4AD1-8DDE-44EA0C2C7360}" dt="2024-10-08T15:09:20.520" v="50"/>
+        <pc:chgData name="Janusz Stal" userId="570fe9c4-9123-4bde-9755-2a9767a29a9c" providerId="ADAL" clId="{3297BAA0-1728-4AD1-8DDE-44EA0C2C7360}" dt="2024-10-08T16:55:10.984" v="51"/>
         <pc:sldMkLst>
           <pc:docMk/>
           <pc:sldMk cId="3207883656" sldId="291"/>
         </pc:sldMkLst>
         <pc:spChg chg="mod">
-          <ac:chgData name="Janusz Stal" userId="570fe9c4-9123-4bde-9755-2a9767a29a9c" providerId="ADAL" clId="{3297BAA0-1728-4AD1-8DDE-44EA0C2C7360}" dt="2024-10-08T15:09:20.520" v="50"/>
+          <ac:chgData name="Janusz Stal" userId="570fe9c4-9123-4bde-9755-2a9767a29a9c" providerId="ADAL" clId="{3297BAA0-1728-4AD1-8DDE-44EA0C2C7360}" dt="2024-10-08T16:55:10.984" v="51"/>
           <ac:spMkLst>
             <pc:docMk/>
             <pc:sldMk cId="3207883656" sldId="291"/>
@@ -1046,6 +1046,21 @@
             <pc:docMk/>
             <pc:sldMk cId="1141219839" sldId="314"/>
             <ac:spMk id="2" creationId="{C8B31B95-ECBF-4FBB-B5EF-8791E8079792}"/>
+          </ac:spMkLst>
+        </pc:spChg>
+      </pc:sldChg>
+      <pc:sldChg chg="modSp mod">
+        <pc:chgData name="Janusz Stal" userId="570fe9c4-9123-4bde-9755-2a9767a29a9c" providerId="ADAL" clId="{3297BAA0-1728-4AD1-8DDE-44EA0C2C7360}" dt="2024-10-08T16:55:43.699" v="53" actId="20577"/>
+        <pc:sldMkLst>
+          <pc:docMk/>
+          <pc:sldMk cId="1234291028" sldId="318"/>
+        </pc:sldMkLst>
+        <pc:spChg chg="mod">
+          <ac:chgData name="Janusz Stal" userId="570fe9c4-9123-4bde-9755-2a9767a29a9c" providerId="ADAL" clId="{3297BAA0-1728-4AD1-8DDE-44EA0C2C7360}" dt="2024-10-08T16:55:43.699" v="53" actId="20577"/>
+          <ac:spMkLst>
+            <pc:docMk/>
+            <pc:sldMk cId="1234291028" sldId="318"/>
+            <ac:spMk id="2" creationId="{D53BE413-5EBF-69E5-69B0-2BCC40EBBB43}"/>
           </ac:spMkLst>
         </pc:spChg>
       </pc:sldChg>
@@ -1080,6 +1095,21 @@
         </pc:graphicFrameChg>
       </pc:sldChg>
       <pc:sldChg chg="modSp mod">
+        <pc:chgData name="Janusz Stal" userId="570fe9c4-9123-4bde-9755-2a9767a29a9c" providerId="ADAL" clId="{3297BAA0-1728-4AD1-8DDE-44EA0C2C7360}" dt="2024-10-08T16:56:17.967" v="66" actId="6549"/>
+        <pc:sldMkLst>
+          <pc:docMk/>
+          <pc:sldMk cId="125244385" sldId="341"/>
+        </pc:sldMkLst>
+        <pc:spChg chg="mod">
+          <ac:chgData name="Janusz Stal" userId="570fe9c4-9123-4bde-9755-2a9767a29a9c" providerId="ADAL" clId="{3297BAA0-1728-4AD1-8DDE-44EA0C2C7360}" dt="2024-10-08T16:56:17.967" v="66" actId="6549"/>
+          <ac:spMkLst>
+            <pc:docMk/>
+            <pc:sldMk cId="125244385" sldId="341"/>
+            <ac:spMk id="2" creationId="{A930435C-07F7-2414-2FE5-EFA1EBB1F789}"/>
+          </ac:spMkLst>
+        </pc:spChg>
+      </pc:sldChg>
+      <pc:sldChg chg="modSp mod">
         <pc:chgData name="Janusz Stal" userId="570fe9c4-9123-4bde-9755-2a9767a29a9c" providerId="ADAL" clId="{3297BAA0-1728-4AD1-8DDE-44EA0C2C7360}" dt="2024-10-08T14:47:58.966" v="48" actId="20577"/>
         <pc:sldMkLst>
           <pc:docMk/>
@@ -1099,6 +1129,21 @@
             <pc:docMk/>
             <pc:sldMk cId="3170683099" sldId="342"/>
             <ac:spMk id="4" creationId="{1F28A227-2EE6-83AA-612F-04A8958950DA}"/>
+          </ac:spMkLst>
+        </pc:spChg>
+      </pc:sldChg>
+      <pc:sldChg chg="modSp mod">
+        <pc:chgData name="Janusz Stal" userId="570fe9c4-9123-4bde-9755-2a9767a29a9c" providerId="ADAL" clId="{3297BAA0-1728-4AD1-8DDE-44EA0C2C7360}" dt="2024-10-08T16:56:06.883" v="60" actId="20577"/>
+        <pc:sldMkLst>
+          <pc:docMk/>
+          <pc:sldMk cId="1809690938" sldId="345"/>
+        </pc:sldMkLst>
+        <pc:spChg chg="mod">
+          <ac:chgData name="Janusz Stal" userId="570fe9c4-9123-4bde-9755-2a9767a29a9c" providerId="ADAL" clId="{3297BAA0-1728-4AD1-8DDE-44EA0C2C7360}" dt="2024-10-08T16:56:06.883" v="60" actId="20577"/>
+          <ac:spMkLst>
+            <pc:docMk/>
+            <pc:sldMk cId="1809690938" sldId="345"/>
+            <ac:spMk id="2" creationId="{F9B3077B-F8DD-C67E-9F11-D4182C72C97A}"/>
           </ac:spMkLst>
         </pc:spChg>
       </pc:sldChg>
@@ -7511,15 +7556,15 @@
               <a:t> a team code</a:t>
             </a:r>
             <a:br>
-              <a:rPr lang="pl-PL"/>
+              <a:rPr lang="pl-PL" dirty="0"/>
             </a:br>
             <a:r>
-              <a:rPr lang="pl-PL">
+              <a:rPr lang="pl-PL" dirty="0" err="1">
                 <a:solidFill>
                   <a:srgbClr val="00B0F0"/>
                 </a:solidFill>
               </a:rPr>
-              <a:t>v39oz65</a:t>
+              <a:t>ygsvbst</a:t>
             </a:r>
             <a:endParaRPr lang="pl-PL" dirty="0">
               <a:solidFill>
@@ -7942,20 +7987,12 @@
               <a:rPr lang="pl-PL" dirty="0"/>
             </a:br>
             <a:r>
-              <a:rPr lang="pl-PL" dirty="0" err="1">
-                <a:solidFill>
-                  <a:srgbClr val="00B0F0"/>
-                </a:solidFill>
-              </a:rPr>
-              <a:t>stalj</a:t>
-            </a:r>
-            <a:r>
               <a:rPr lang="pl-PL" dirty="0">
                 <a:solidFill>
                   <a:srgbClr val="00B0F0"/>
                 </a:solidFill>
               </a:rPr>
-              <a:t>/pp3</a:t>
+              <a:t>stalj/cp3</a:t>
             </a:r>
           </a:p>
           <a:p>
@@ -8983,53 +9020,42 @@
               <a:rPr lang="en-US" dirty="0"/>
             </a:br>
             <a:r>
+              <a:rPr lang="en-US" dirty="0" err="1">
+                <a:solidFill>
+                  <a:srgbClr val="00B0F0"/>
+                </a:solidFill>
+              </a:rPr>
+              <a:t>CourseIntroduction</a:t>
+            </a:r>
+            <a:endParaRPr lang="en-US" dirty="0">
+              <a:solidFill>
+                <a:srgbClr val="00B0F0"/>
+              </a:solidFill>
+            </a:endParaRPr>
+          </a:p>
+          <a:p>
+            <a:pPr marL="514350" indent="-514350">
+              <a:buFont typeface="+mj-lt"/>
+              <a:buAutoNum type="arabicPeriod"/>
+            </a:pPr>
+            <a:r>
+              <a:rPr lang="en-US" dirty="0" err="1"/>
+              <a:t>Familiarise</a:t>
+            </a:r>
+            <a:r>
+              <a:rPr lang="en-US" dirty="0"/>
+              <a:t> yourself with the course syllabus</a:t>
+            </a:r>
+            <a:br>
+              <a:rPr lang="en-US" dirty="0"/>
+            </a:br>
+            <a:r>
               <a:rPr lang="en-US" dirty="0">
                 <a:solidFill>
                   <a:srgbClr val="00B0F0"/>
                 </a:solidFill>
               </a:rPr>
-              <a:t>01-CourseIntroduction</a:t>
-            </a:r>
-          </a:p>
-          <a:p>
-            <a:pPr marL="514350" indent="-514350">
-              <a:buFont typeface="+mj-lt"/>
-              <a:buAutoNum type="arabicPeriod"/>
-            </a:pPr>
-            <a:r>
-              <a:rPr lang="en-US" dirty="0" err="1"/>
-              <a:t>Familiarise</a:t>
-            </a:r>
-            <a:r>
-              <a:rPr lang="en-US" dirty="0"/>
-              <a:t> yourself with the course syllabus</a:t>
-            </a:r>
-            <a:br>
-              <a:rPr lang="en-US" dirty="0"/>
-            </a:br>
-            <a:r>
-              <a:rPr lang="en-US" dirty="0">
-                <a:solidFill>
-                  <a:srgbClr val="00B0F0"/>
-                </a:solidFill>
-              </a:rPr>
-              <a:t>PP</a:t>
-            </a:r>
-            <a:r>
-              <a:rPr lang="pl-PL" dirty="0">
-                <a:solidFill>
-                  <a:srgbClr val="00B0F0"/>
-                </a:solidFill>
-              </a:rPr>
-              <a:t>3</a:t>
-            </a:r>
-            <a:r>
-              <a:rPr lang="en-US" dirty="0">
-                <a:solidFill>
-                  <a:srgbClr val="00B0F0"/>
-                </a:solidFill>
-              </a:rPr>
-              <a:t>-Syllabus.docx</a:t>
+              <a:t>Syllabus.docx</a:t>
             </a:r>
           </a:p>
           <a:p>
@@ -9473,14 +9499,6 @@
               <a:rPr lang="en-US" dirty="0"/>
             </a:br>
             <a:r>
-              <a:rPr lang="en-US" dirty="0">
-                <a:solidFill>
-                  <a:srgbClr val="00B0F0"/>
-                </a:solidFill>
-              </a:rPr>
-              <a:t>02-</a:t>
-            </a:r>
-            <a:r>
               <a:rPr lang="pl-PL" dirty="0" err="1">
                 <a:solidFill>
                   <a:srgbClr val="00B0F0"/>
@@ -9526,14 +9544,6 @@
             <a:br>
               <a:rPr lang="pl-PL" dirty="0"/>
             </a:br>
-            <a:r>
-              <a:rPr lang="en-US" dirty="0">
-                <a:solidFill>
-                  <a:srgbClr val="00B0F0"/>
-                </a:solidFill>
-              </a:rPr>
-              <a:t>02-</a:t>
-            </a:r>
             <a:r>
               <a:rPr lang="pl-PL" dirty="0" err="1">
                 <a:solidFill>
